--- a/Presentation.pptx
+++ b/Presentation.pptx
@@ -1033,7 +1033,7 @@
         <a:p>
           <a:r>
             <a:rPr lang="ru-RU" dirty="0" smtClean="0"/>
-            <a:t>Регулярность</a:t>
+            <a:t>Тип регулярности</a:t>
           </a:r>
           <a:endParaRPr lang="ru-RU" dirty="0"/>
         </a:p>
@@ -1139,43 +1139,6 @@
         </a:p>
       </dgm:t>
     </dgm:pt>
-    <dgm:pt modelId="{C04A3775-A489-41A5-8A95-BCFABFE4667C}">
-      <dgm:prSet/>
-      <dgm:spPr/>
-      <dgm:t>
-        <a:bodyPr/>
-        <a:lstStyle/>
-        <a:p>
-          <a:r>
-            <a:rPr lang="ru-RU" dirty="0" smtClean="0"/>
-            <a:t>Тип регулярности</a:t>
-          </a:r>
-          <a:endParaRPr lang="ru-RU" dirty="0"/>
-        </a:p>
-      </dgm:t>
-    </dgm:pt>
-    <dgm:pt modelId="{2AFB87BE-684E-46D6-B150-3CE54E8B096A}" type="parTrans" cxnId="{8AD9CF95-A3B2-479E-9358-FE14EEA24206}">
-      <dgm:prSet/>
-      <dgm:spPr/>
-      <dgm:t>
-        <a:bodyPr/>
-        <a:lstStyle/>
-        <a:p>
-          <a:endParaRPr lang="ru-RU"/>
-        </a:p>
-      </dgm:t>
-    </dgm:pt>
-    <dgm:pt modelId="{AEF7FEF9-E784-4B15-A089-EF96440AD3C5}" type="sibTrans" cxnId="{8AD9CF95-A3B2-479E-9358-FE14EEA24206}">
-      <dgm:prSet/>
-      <dgm:spPr/>
-      <dgm:t>
-        <a:bodyPr/>
-        <a:lstStyle/>
-        <a:p>
-          <a:endParaRPr lang="ru-RU"/>
-        </a:p>
-      </dgm:t>
-    </dgm:pt>
     <dgm:pt modelId="{78F4B750-23EF-442B-BA79-E6382BC15D91}" type="pres">
       <dgm:prSet presAssocID="{DC60E786-BB11-45F6-A558-A7E8F8BEC45D}" presName="diagram" presStyleCnt="0">
         <dgm:presLayoutVars>
@@ -1187,6 +1150,13 @@
         </dgm:presLayoutVars>
       </dgm:prSet>
       <dgm:spPr/>
+      <dgm:t>
+        <a:bodyPr/>
+        <a:lstStyle/>
+        <a:p>
+          <a:endParaRPr lang="ru-RU"/>
+        </a:p>
+      </dgm:t>
     </dgm:pt>
     <dgm:pt modelId="{4362FF4B-D5C1-4ACA-A155-EEA399B9828F}" type="pres">
       <dgm:prSet presAssocID="{04155621-E000-4877-AC0E-5D8CB2DB7B88}" presName="root1" presStyleCnt="0"/>
@@ -1199,6 +1169,13 @@
         </dgm:presLayoutVars>
       </dgm:prSet>
       <dgm:spPr/>
+      <dgm:t>
+        <a:bodyPr/>
+        <a:lstStyle/>
+        <a:p>
+          <a:endParaRPr lang="ru-RU"/>
+        </a:p>
+      </dgm:t>
     </dgm:pt>
     <dgm:pt modelId="{00E1A5C3-F45E-46FD-A7D8-CCB0529B38FB}" type="pres">
       <dgm:prSet presAssocID="{04155621-E000-4877-AC0E-5D8CB2DB7B88}" presName="level2hierChild" presStyleCnt="0"/>
@@ -1207,10 +1184,24 @@
     <dgm:pt modelId="{FF1F7787-BE64-48E5-A15C-7385E6B0F54D}" type="pres">
       <dgm:prSet presAssocID="{5FA788F3-91C4-4417-BF5C-AED6005DA936}" presName="conn2-1" presStyleLbl="parChTrans1D2" presStyleIdx="0" presStyleCnt="1"/>
       <dgm:spPr/>
+      <dgm:t>
+        <a:bodyPr/>
+        <a:lstStyle/>
+        <a:p>
+          <a:endParaRPr lang="ru-RU"/>
+        </a:p>
+      </dgm:t>
     </dgm:pt>
     <dgm:pt modelId="{E208EE20-BC95-4143-A3AE-87D7C3F22375}" type="pres">
       <dgm:prSet presAssocID="{5FA788F3-91C4-4417-BF5C-AED6005DA936}" presName="connTx" presStyleLbl="parChTrans1D2" presStyleIdx="0" presStyleCnt="1"/>
       <dgm:spPr/>
+      <dgm:t>
+        <a:bodyPr/>
+        <a:lstStyle/>
+        <a:p>
+          <a:endParaRPr lang="ru-RU"/>
+        </a:p>
+      </dgm:t>
     </dgm:pt>
     <dgm:pt modelId="{9003F24B-8CE7-4674-8AE1-EE8EA0A8FCC5}" type="pres">
       <dgm:prSet presAssocID="{258F1096-B196-4CA3-93DC-68D5903F3E5C}" presName="root2" presStyleCnt="0"/>
@@ -1223,6 +1214,13 @@
         </dgm:presLayoutVars>
       </dgm:prSet>
       <dgm:spPr/>
+      <dgm:t>
+        <a:bodyPr/>
+        <a:lstStyle/>
+        <a:p>
+          <a:endParaRPr lang="ru-RU"/>
+        </a:p>
+      </dgm:t>
     </dgm:pt>
     <dgm:pt modelId="{2EC99C00-CED3-4FEA-B71A-DA847D8D9754}" type="pres">
       <dgm:prSet presAssocID="{258F1096-B196-4CA3-93DC-68D5903F3E5C}" presName="level3hierChild" presStyleCnt="0"/>
@@ -1231,10 +1229,24 @@
     <dgm:pt modelId="{78337542-9682-46FF-ACBD-C11BA0828D85}" type="pres">
       <dgm:prSet presAssocID="{4AA43F63-1A33-4EC7-A2C9-5D6C41451942}" presName="conn2-1" presStyleLbl="parChTrans1D3" presStyleIdx="0" presStyleCnt="1"/>
       <dgm:spPr/>
+      <dgm:t>
+        <a:bodyPr/>
+        <a:lstStyle/>
+        <a:p>
+          <a:endParaRPr lang="ru-RU"/>
+        </a:p>
+      </dgm:t>
     </dgm:pt>
     <dgm:pt modelId="{3B392342-549D-4822-ACD3-BBD4ECE477D3}" type="pres">
       <dgm:prSet presAssocID="{4AA43F63-1A33-4EC7-A2C9-5D6C41451942}" presName="connTx" presStyleLbl="parChTrans1D3" presStyleIdx="0" presStyleCnt="1"/>
       <dgm:spPr/>
+      <dgm:t>
+        <a:bodyPr/>
+        <a:lstStyle/>
+        <a:p>
+          <a:endParaRPr lang="ru-RU"/>
+        </a:p>
+      </dgm:t>
     </dgm:pt>
     <dgm:pt modelId="{96077F5F-EF3B-44E7-8839-8AF3610EE583}" type="pres">
       <dgm:prSet presAssocID="{0A734546-AF7F-4446-B82D-4087870A6A66}" presName="root2" presStyleCnt="0"/>
@@ -1260,19 +1272,33 @@
       <dgm:spPr/>
     </dgm:pt>
     <dgm:pt modelId="{4D5A20FB-6DF0-48A6-8E09-8908C1E79FED}" type="pres">
-      <dgm:prSet presAssocID="{185955EE-4DA0-40BF-8E1D-D381DA24F09A}" presName="conn2-1" presStyleLbl="parChTrans1D4" presStyleIdx="0" presStyleCnt="5"/>
+      <dgm:prSet presAssocID="{185955EE-4DA0-40BF-8E1D-D381DA24F09A}" presName="conn2-1" presStyleLbl="parChTrans1D4" presStyleIdx="0" presStyleCnt="4"/>
       <dgm:spPr/>
+      <dgm:t>
+        <a:bodyPr/>
+        <a:lstStyle/>
+        <a:p>
+          <a:endParaRPr lang="ru-RU"/>
+        </a:p>
+      </dgm:t>
     </dgm:pt>
     <dgm:pt modelId="{E2B19AF9-9ACA-4D38-A11D-64713762824E}" type="pres">
-      <dgm:prSet presAssocID="{185955EE-4DA0-40BF-8E1D-D381DA24F09A}" presName="connTx" presStyleLbl="parChTrans1D4" presStyleIdx="0" presStyleCnt="5"/>
+      <dgm:prSet presAssocID="{185955EE-4DA0-40BF-8E1D-D381DA24F09A}" presName="connTx" presStyleLbl="parChTrans1D4" presStyleIdx="0" presStyleCnt="4"/>
       <dgm:spPr/>
+      <dgm:t>
+        <a:bodyPr/>
+        <a:lstStyle/>
+        <a:p>
+          <a:endParaRPr lang="ru-RU"/>
+        </a:p>
+      </dgm:t>
     </dgm:pt>
     <dgm:pt modelId="{3551A046-FDEF-41A1-8789-FDA37728D60D}" type="pres">
       <dgm:prSet presAssocID="{2EFA9E8A-4C36-42AF-81E1-03E81A255A32}" presName="root2" presStyleCnt="0"/>
       <dgm:spPr/>
     </dgm:pt>
     <dgm:pt modelId="{8581C3E9-1F29-4978-B494-D8D8A8E0A4AD}" type="pres">
-      <dgm:prSet presAssocID="{2EFA9E8A-4C36-42AF-81E1-03E81A255A32}" presName="LevelTwoTextNode" presStyleLbl="node4" presStyleIdx="0" presStyleCnt="5">
+      <dgm:prSet presAssocID="{2EFA9E8A-4C36-42AF-81E1-03E81A255A32}" presName="LevelTwoTextNode" presStyleLbl="node4" presStyleIdx="0" presStyleCnt="4">
         <dgm:presLayoutVars>
           <dgm:chPref val="3"/>
         </dgm:presLayoutVars>
@@ -1291,19 +1317,33 @@
       <dgm:spPr/>
     </dgm:pt>
     <dgm:pt modelId="{BDF04DF7-C868-4F7F-B388-E6923C1312E2}" type="pres">
-      <dgm:prSet presAssocID="{9CAE86D6-679B-4B58-8F41-87E89581B61D}" presName="conn2-1" presStyleLbl="parChTrans1D4" presStyleIdx="1" presStyleCnt="5"/>
+      <dgm:prSet presAssocID="{9CAE86D6-679B-4B58-8F41-87E89581B61D}" presName="conn2-1" presStyleLbl="parChTrans1D4" presStyleIdx="1" presStyleCnt="4"/>
       <dgm:spPr/>
+      <dgm:t>
+        <a:bodyPr/>
+        <a:lstStyle/>
+        <a:p>
+          <a:endParaRPr lang="ru-RU"/>
+        </a:p>
+      </dgm:t>
     </dgm:pt>
     <dgm:pt modelId="{4F26413A-EF16-4C01-826A-3DCCEB7ADFF2}" type="pres">
-      <dgm:prSet presAssocID="{9CAE86D6-679B-4B58-8F41-87E89581B61D}" presName="connTx" presStyleLbl="parChTrans1D4" presStyleIdx="1" presStyleCnt="5"/>
+      <dgm:prSet presAssocID="{9CAE86D6-679B-4B58-8F41-87E89581B61D}" presName="connTx" presStyleLbl="parChTrans1D4" presStyleIdx="1" presStyleCnt="4"/>
       <dgm:spPr/>
+      <dgm:t>
+        <a:bodyPr/>
+        <a:lstStyle/>
+        <a:p>
+          <a:endParaRPr lang="ru-RU"/>
+        </a:p>
+      </dgm:t>
     </dgm:pt>
     <dgm:pt modelId="{FB11D99C-7809-4EAF-BCDE-D502DA62C808}" type="pres">
       <dgm:prSet presAssocID="{38F3E724-233E-429A-BB69-20A2ABA00614}" presName="root2" presStyleCnt="0"/>
       <dgm:spPr/>
     </dgm:pt>
     <dgm:pt modelId="{40AEB679-3BD0-4BC3-8765-10388D28868C}" type="pres">
-      <dgm:prSet presAssocID="{38F3E724-233E-429A-BB69-20A2ABA00614}" presName="LevelTwoTextNode" presStyleLbl="node4" presStyleIdx="1" presStyleCnt="5">
+      <dgm:prSet presAssocID="{38F3E724-233E-429A-BB69-20A2ABA00614}" presName="LevelTwoTextNode" presStyleLbl="node4" presStyleIdx="1" presStyleCnt="4">
         <dgm:presLayoutVars>
           <dgm:chPref val="3"/>
         </dgm:presLayoutVars>
@@ -1322,19 +1362,33 @@
       <dgm:spPr/>
     </dgm:pt>
     <dgm:pt modelId="{248A3E42-EFE5-4744-98E7-E2CF9A810E46}" type="pres">
-      <dgm:prSet presAssocID="{BEF3C024-36C1-47C5-90B6-2ECD625E32DA}" presName="conn2-1" presStyleLbl="parChTrans1D4" presStyleIdx="2" presStyleCnt="5"/>
+      <dgm:prSet presAssocID="{BEF3C024-36C1-47C5-90B6-2ECD625E32DA}" presName="conn2-1" presStyleLbl="parChTrans1D4" presStyleIdx="2" presStyleCnt="4"/>
       <dgm:spPr/>
+      <dgm:t>
+        <a:bodyPr/>
+        <a:lstStyle/>
+        <a:p>
+          <a:endParaRPr lang="ru-RU"/>
+        </a:p>
+      </dgm:t>
     </dgm:pt>
     <dgm:pt modelId="{A86139CA-0AA2-4903-805A-0A56FF14046A}" type="pres">
-      <dgm:prSet presAssocID="{BEF3C024-36C1-47C5-90B6-2ECD625E32DA}" presName="connTx" presStyleLbl="parChTrans1D4" presStyleIdx="2" presStyleCnt="5"/>
+      <dgm:prSet presAssocID="{BEF3C024-36C1-47C5-90B6-2ECD625E32DA}" presName="connTx" presStyleLbl="parChTrans1D4" presStyleIdx="2" presStyleCnt="4"/>
       <dgm:spPr/>
+      <dgm:t>
+        <a:bodyPr/>
+        <a:lstStyle/>
+        <a:p>
+          <a:endParaRPr lang="ru-RU"/>
+        </a:p>
+      </dgm:t>
     </dgm:pt>
     <dgm:pt modelId="{899A8DFB-1703-4CD4-96F5-BBAE43B1BFFF}" type="pres">
       <dgm:prSet presAssocID="{24C0D800-F7AD-4019-A882-2813C43C7472}" presName="root2" presStyleCnt="0"/>
       <dgm:spPr/>
     </dgm:pt>
     <dgm:pt modelId="{23576F79-7C09-4C2C-94B6-27D381C786DA}" type="pres">
-      <dgm:prSet presAssocID="{24C0D800-F7AD-4019-A882-2813C43C7472}" presName="LevelTwoTextNode" presStyleLbl="node4" presStyleIdx="2" presStyleCnt="5">
+      <dgm:prSet presAssocID="{24C0D800-F7AD-4019-A882-2813C43C7472}" presName="LevelTwoTextNode" presStyleLbl="node4" presStyleIdx="2" presStyleCnt="4">
         <dgm:presLayoutVars>
           <dgm:chPref val="3"/>
         </dgm:presLayoutVars>
@@ -1353,19 +1407,33 @@
       <dgm:spPr/>
     </dgm:pt>
     <dgm:pt modelId="{74BABABE-DD93-4D3A-A624-2DF6873AE8E4}" type="pres">
-      <dgm:prSet presAssocID="{4662907C-813A-494B-9FCD-48FD3A6B579F}" presName="conn2-1" presStyleLbl="parChTrans1D4" presStyleIdx="3" presStyleCnt="5"/>
+      <dgm:prSet presAssocID="{4662907C-813A-494B-9FCD-48FD3A6B579F}" presName="conn2-1" presStyleLbl="parChTrans1D4" presStyleIdx="3" presStyleCnt="4"/>
       <dgm:spPr/>
+      <dgm:t>
+        <a:bodyPr/>
+        <a:lstStyle/>
+        <a:p>
+          <a:endParaRPr lang="ru-RU"/>
+        </a:p>
+      </dgm:t>
     </dgm:pt>
     <dgm:pt modelId="{3A25EB47-C416-4129-BCB0-E088F920E71F}" type="pres">
-      <dgm:prSet presAssocID="{4662907C-813A-494B-9FCD-48FD3A6B579F}" presName="connTx" presStyleLbl="parChTrans1D4" presStyleIdx="3" presStyleCnt="5"/>
+      <dgm:prSet presAssocID="{4662907C-813A-494B-9FCD-48FD3A6B579F}" presName="connTx" presStyleLbl="parChTrans1D4" presStyleIdx="3" presStyleCnt="4"/>
       <dgm:spPr/>
+      <dgm:t>
+        <a:bodyPr/>
+        <a:lstStyle/>
+        <a:p>
+          <a:endParaRPr lang="ru-RU"/>
+        </a:p>
+      </dgm:t>
     </dgm:pt>
     <dgm:pt modelId="{7DCF3146-3162-4D67-8D2F-5784BBE955B4}" type="pres">
       <dgm:prSet presAssocID="{AF3DD6F2-AE87-4468-AE17-653E9A60C59D}" presName="root2" presStyleCnt="0"/>
       <dgm:spPr/>
     </dgm:pt>
     <dgm:pt modelId="{C3B2452E-DCF6-4F33-8F5A-9CDC89492272}" type="pres">
-      <dgm:prSet presAssocID="{AF3DD6F2-AE87-4468-AE17-653E9A60C59D}" presName="LevelTwoTextNode" presStyleLbl="node4" presStyleIdx="3" presStyleCnt="5">
+      <dgm:prSet presAssocID="{AF3DD6F2-AE87-4468-AE17-653E9A60C59D}" presName="LevelTwoTextNode" presStyleLbl="node4" presStyleIdx="3" presStyleCnt="4">
         <dgm:presLayoutVars>
           <dgm:chPref val="3"/>
         </dgm:presLayoutVars>
@@ -1383,70 +1451,35 @@
       <dgm:prSet presAssocID="{AF3DD6F2-AE87-4468-AE17-653E9A60C59D}" presName="level3hierChild" presStyleCnt="0"/>
       <dgm:spPr/>
     </dgm:pt>
-    <dgm:pt modelId="{03C3B212-4409-4464-BAED-578A9108CAAD}" type="pres">
-      <dgm:prSet presAssocID="{2AFB87BE-684E-46D6-B150-3CE54E8B096A}" presName="conn2-1" presStyleLbl="parChTrans1D4" presStyleIdx="4" presStyleCnt="5"/>
-      <dgm:spPr/>
-    </dgm:pt>
-    <dgm:pt modelId="{E6CF8BC8-14CE-451A-884D-E456F3BEA9B1}" type="pres">
-      <dgm:prSet presAssocID="{2AFB87BE-684E-46D6-B150-3CE54E8B096A}" presName="connTx" presStyleLbl="parChTrans1D4" presStyleIdx="4" presStyleCnt="5"/>
-      <dgm:spPr/>
-    </dgm:pt>
-    <dgm:pt modelId="{FBC1D1BC-9DAA-4A3A-A2E2-76CD9C3A4C0B}" type="pres">
-      <dgm:prSet presAssocID="{C04A3775-A489-41A5-8A95-BCFABFE4667C}" presName="root2" presStyleCnt="0"/>
-      <dgm:spPr/>
-    </dgm:pt>
-    <dgm:pt modelId="{DCFF7B1D-418F-4F90-A0E4-DDC5B65F1131}" type="pres">
-      <dgm:prSet presAssocID="{C04A3775-A489-41A5-8A95-BCFABFE4667C}" presName="LevelTwoTextNode" presStyleLbl="node4" presStyleIdx="4" presStyleCnt="5">
-        <dgm:presLayoutVars>
-          <dgm:chPref val="3"/>
-        </dgm:presLayoutVars>
-      </dgm:prSet>
-      <dgm:spPr/>
-      <dgm:t>
-        <a:bodyPr/>
-        <a:lstStyle/>
-        <a:p>
-          <a:endParaRPr lang="ru-RU"/>
-        </a:p>
-      </dgm:t>
-    </dgm:pt>
-    <dgm:pt modelId="{B2598499-AC69-47E9-899E-9813B4EEF925}" type="pres">
-      <dgm:prSet presAssocID="{C04A3775-A489-41A5-8A95-BCFABFE4667C}" presName="level3hierChild" presStyleCnt="0"/>
-      <dgm:spPr/>
-    </dgm:pt>
   </dgm:ptLst>
   <dgm:cxnLst>
-    <dgm:cxn modelId="{F45E1750-FAF1-4854-B467-F9129FD7846E}" type="presOf" srcId="{2AFB87BE-684E-46D6-B150-3CE54E8B096A}" destId="{E6CF8BC8-14CE-451A-884D-E456F3BEA9B1}" srcOrd="1" destOrd="0" presId="urn:microsoft.com/office/officeart/2005/8/layout/hierarchy2"/>
+    <dgm:cxn modelId="{CABB1E8C-996E-4713-BB7D-A4857E3948D6}" srcId="{2EFA9E8A-4C36-42AF-81E1-03E81A255A32}" destId="{38F3E724-233E-429A-BB69-20A2ABA00614}" srcOrd="0" destOrd="0" parTransId="{9CAE86D6-679B-4B58-8F41-87E89581B61D}" sibTransId="{9A7EAC8F-1393-403D-8A38-110BC2CE9516}"/>
+    <dgm:cxn modelId="{B0ED25D4-6820-4D3E-AAB8-DA8DF416BE74}" srcId="{258F1096-B196-4CA3-93DC-68D5903F3E5C}" destId="{0A734546-AF7F-4446-B82D-4087870A6A66}" srcOrd="0" destOrd="0" parTransId="{4AA43F63-1A33-4EC7-A2C9-5D6C41451942}" sibTransId="{CC764CF6-E005-4BA3-BF94-0B5D40BF6160}"/>
+    <dgm:cxn modelId="{750470DA-41D3-485F-9502-41BDC90296F2}" type="presOf" srcId="{4662907C-813A-494B-9FCD-48FD3A6B579F}" destId="{3A25EB47-C416-4129-BCB0-E088F920E71F}" srcOrd="1" destOrd="0" presId="urn:microsoft.com/office/officeart/2005/8/layout/hierarchy2"/>
+    <dgm:cxn modelId="{98992049-70B6-4658-AEC8-3764FE2F5EC0}" srcId="{04155621-E000-4877-AC0E-5D8CB2DB7B88}" destId="{258F1096-B196-4CA3-93DC-68D5903F3E5C}" srcOrd="0" destOrd="0" parTransId="{5FA788F3-91C4-4417-BF5C-AED6005DA936}" sibTransId="{8CDC45DC-F995-43AE-A255-A8256406097B}"/>
+    <dgm:cxn modelId="{965CB688-BDAD-48FB-A849-0A91B468064B}" type="presOf" srcId="{5FA788F3-91C4-4417-BF5C-AED6005DA936}" destId="{E208EE20-BC95-4143-A3AE-87D7C3F22375}" srcOrd="1" destOrd="0" presId="urn:microsoft.com/office/officeart/2005/8/layout/hierarchy2"/>
     <dgm:cxn modelId="{277F4BD0-0617-4714-BC66-F659E53EB763}" type="presOf" srcId="{38F3E724-233E-429A-BB69-20A2ABA00614}" destId="{40AEB679-3BD0-4BC3-8765-10388D28868C}" srcOrd="0" destOrd="0" presId="urn:microsoft.com/office/officeart/2005/8/layout/hierarchy2"/>
+    <dgm:cxn modelId="{0C5F29D1-BC92-4FB2-A333-DAF823DA875F}" type="presOf" srcId="{BEF3C024-36C1-47C5-90B6-2ECD625E32DA}" destId="{248A3E42-EFE5-4744-98E7-E2CF9A810E46}" srcOrd="0" destOrd="0" presId="urn:microsoft.com/office/officeart/2005/8/layout/hierarchy2"/>
+    <dgm:cxn modelId="{E16144CA-DC55-4E51-87B8-7ABCAC7BC03E}" type="presOf" srcId="{9CAE86D6-679B-4B58-8F41-87E89581B61D}" destId="{4F26413A-EF16-4C01-826A-3DCCEB7ADFF2}" srcOrd="1" destOrd="0" presId="urn:microsoft.com/office/officeart/2005/8/layout/hierarchy2"/>
+    <dgm:cxn modelId="{B579938F-2E8F-47FB-B0D0-CA3BC75B093B}" type="presOf" srcId="{5FA788F3-91C4-4417-BF5C-AED6005DA936}" destId="{FF1F7787-BE64-48E5-A15C-7385E6B0F54D}" srcOrd="0" destOrd="0" presId="urn:microsoft.com/office/officeart/2005/8/layout/hierarchy2"/>
+    <dgm:cxn modelId="{50A1B5E8-2259-41F5-A394-9F6600716C5B}" type="presOf" srcId="{9CAE86D6-679B-4B58-8F41-87E89581B61D}" destId="{BDF04DF7-C868-4F7F-B388-E6923C1312E2}" srcOrd="0" destOrd="0" presId="urn:microsoft.com/office/officeart/2005/8/layout/hierarchy2"/>
+    <dgm:cxn modelId="{4BA68186-564D-4666-9E89-40EAB5980B14}" srcId="{0A734546-AF7F-4446-B82D-4087870A6A66}" destId="{AF3DD6F2-AE87-4468-AE17-653E9A60C59D}" srcOrd="1" destOrd="0" parTransId="{4662907C-813A-494B-9FCD-48FD3A6B579F}" sibTransId="{10CAB7A5-A4A0-4F40-9AE3-45A59591B0CF}"/>
+    <dgm:cxn modelId="{F8055EE6-60D4-462D-A50F-DAAF56DF690B}" type="presOf" srcId="{2EFA9E8A-4C36-42AF-81E1-03E81A255A32}" destId="{8581C3E9-1F29-4978-B494-D8D8A8E0A4AD}" srcOrd="0" destOrd="0" presId="urn:microsoft.com/office/officeart/2005/8/layout/hierarchy2"/>
+    <dgm:cxn modelId="{D4DEDC71-55C3-473B-ACAD-0666A7AB6FA7}" srcId="{DC60E786-BB11-45F6-A558-A7E8F8BEC45D}" destId="{04155621-E000-4877-AC0E-5D8CB2DB7B88}" srcOrd="0" destOrd="0" parTransId="{642F021D-C816-4F45-85F8-E9A37B0AC9AB}" sibTransId="{85309C85-FF30-43D4-9B50-9F247130E2AC}"/>
+    <dgm:cxn modelId="{1BC8C139-CB6F-422F-9C25-4CD734670B47}" type="presOf" srcId="{24C0D800-F7AD-4019-A882-2813C43C7472}" destId="{23576F79-7C09-4C2C-94B6-27D381C786DA}" srcOrd="0" destOrd="0" presId="urn:microsoft.com/office/officeart/2005/8/layout/hierarchy2"/>
+    <dgm:cxn modelId="{18A2EAE7-11A6-49B2-8235-2C832BABFB9B}" srcId="{38F3E724-233E-429A-BB69-20A2ABA00614}" destId="{24C0D800-F7AD-4019-A882-2813C43C7472}" srcOrd="0" destOrd="0" parTransId="{BEF3C024-36C1-47C5-90B6-2ECD625E32DA}" sibTransId="{2596EBFB-0617-46EF-AA75-CF8339C765F5}"/>
+    <dgm:cxn modelId="{6EF0439C-0BF7-438F-8C83-40C820C10D14}" type="presOf" srcId="{BEF3C024-36C1-47C5-90B6-2ECD625E32DA}" destId="{A86139CA-0AA2-4903-805A-0A56FF14046A}" srcOrd="1" destOrd="0" presId="urn:microsoft.com/office/officeart/2005/8/layout/hierarchy2"/>
+    <dgm:cxn modelId="{5B8C9BFF-7F1C-4674-BD18-A3C6DDB8251F}" type="presOf" srcId="{185955EE-4DA0-40BF-8E1D-D381DA24F09A}" destId="{E2B19AF9-9ACA-4D38-A11D-64713762824E}" srcOrd="1" destOrd="0" presId="urn:microsoft.com/office/officeart/2005/8/layout/hierarchy2"/>
+    <dgm:cxn modelId="{B7C2D2BA-FA86-4A5C-B681-5C18A92FD03A}" type="presOf" srcId="{4662907C-813A-494B-9FCD-48FD3A6B579F}" destId="{74BABABE-DD93-4D3A-A624-2DF6873AE8E4}" srcOrd="0" destOrd="0" presId="urn:microsoft.com/office/officeart/2005/8/layout/hierarchy2"/>
     <dgm:cxn modelId="{3E09D736-98E3-41B5-9FDC-409629A55ACD}" type="presOf" srcId="{0A734546-AF7F-4446-B82D-4087870A6A66}" destId="{1512C21B-0F7F-435E-B5DF-E0862EDE0704}" srcOrd="0" destOrd="0" presId="urn:microsoft.com/office/officeart/2005/8/layout/hierarchy2"/>
-    <dgm:cxn modelId="{18A2EAE7-11A6-49B2-8235-2C832BABFB9B}" srcId="{38F3E724-233E-429A-BB69-20A2ABA00614}" destId="{24C0D800-F7AD-4019-A882-2813C43C7472}" srcOrd="0" destOrd="0" parTransId="{BEF3C024-36C1-47C5-90B6-2ECD625E32DA}" sibTransId="{2596EBFB-0617-46EF-AA75-CF8339C765F5}"/>
-    <dgm:cxn modelId="{F8055EE6-60D4-462D-A50F-DAAF56DF690B}" type="presOf" srcId="{2EFA9E8A-4C36-42AF-81E1-03E81A255A32}" destId="{8581C3E9-1F29-4978-B494-D8D8A8E0A4AD}" srcOrd="0" destOrd="0" presId="urn:microsoft.com/office/officeart/2005/8/layout/hierarchy2"/>
-    <dgm:cxn modelId="{B74DC3DD-3969-4FF9-BD63-CAEEF5F4B541}" type="presOf" srcId="{C04A3775-A489-41A5-8A95-BCFABFE4667C}" destId="{DCFF7B1D-418F-4F90-A0E4-DDC5B65F1131}" srcOrd="0" destOrd="0" presId="urn:microsoft.com/office/officeart/2005/8/layout/hierarchy2"/>
+    <dgm:cxn modelId="{7038BBE2-E4DD-4737-A426-434D7F467E74}" type="presOf" srcId="{4AA43F63-1A33-4EC7-A2C9-5D6C41451942}" destId="{3B392342-549D-4822-ACD3-BBD4ECE477D3}" srcOrd="1" destOrd="0" presId="urn:microsoft.com/office/officeart/2005/8/layout/hierarchy2"/>
     <dgm:cxn modelId="{FDD8AA71-7735-4162-8204-8DF027DAC426}" srcId="{0A734546-AF7F-4446-B82D-4087870A6A66}" destId="{2EFA9E8A-4C36-42AF-81E1-03E81A255A32}" srcOrd="0" destOrd="0" parTransId="{185955EE-4DA0-40BF-8E1D-D381DA24F09A}" sibTransId="{DFCA45AF-D770-4E6E-B6CB-537378B01651}"/>
     <dgm:cxn modelId="{AACCE5C9-DBAE-497D-B71C-2A620D4A653F}" type="presOf" srcId="{AF3DD6F2-AE87-4468-AE17-653E9A60C59D}" destId="{C3B2452E-DCF6-4F33-8F5A-9CDC89492272}" srcOrd="0" destOrd="0" presId="urn:microsoft.com/office/officeart/2005/8/layout/hierarchy2"/>
-    <dgm:cxn modelId="{50A1B5E8-2259-41F5-A394-9F6600716C5B}" type="presOf" srcId="{9CAE86D6-679B-4B58-8F41-87E89581B61D}" destId="{BDF04DF7-C868-4F7F-B388-E6923C1312E2}" srcOrd="0" destOrd="0" presId="urn:microsoft.com/office/officeart/2005/8/layout/hierarchy2"/>
     <dgm:cxn modelId="{0DD6B604-09C5-42C6-9484-CE9AF2A0A2B6}" type="presOf" srcId="{258F1096-B196-4CA3-93DC-68D5903F3E5C}" destId="{D850A82F-A2E8-4E4B-BAC5-EA6952D3CCE5}" srcOrd="0" destOrd="0" presId="urn:microsoft.com/office/officeart/2005/8/layout/hierarchy2"/>
+    <dgm:cxn modelId="{155D41A7-D2B6-471A-AAA0-C67234A20A88}" type="presOf" srcId="{DC60E786-BB11-45F6-A558-A7E8F8BEC45D}" destId="{78F4B750-23EF-442B-BA79-E6382BC15D91}" srcOrd="0" destOrd="0" presId="urn:microsoft.com/office/officeart/2005/8/layout/hierarchy2"/>
     <dgm:cxn modelId="{68DF3A01-0217-4DCA-85A3-59B7FDF9D823}" type="presOf" srcId="{04155621-E000-4877-AC0E-5D8CB2DB7B88}" destId="{9860CB25-8B7C-45EE-A63A-104713164D54}" srcOrd="0" destOrd="0" presId="urn:microsoft.com/office/officeart/2005/8/layout/hierarchy2"/>
-    <dgm:cxn modelId="{CABB1E8C-996E-4713-BB7D-A4857E3948D6}" srcId="{2EFA9E8A-4C36-42AF-81E1-03E81A255A32}" destId="{38F3E724-233E-429A-BB69-20A2ABA00614}" srcOrd="0" destOrd="0" parTransId="{9CAE86D6-679B-4B58-8F41-87E89581B61D}" sibTransId="{9A7EAC8F-1393-403D-8A38-110BC2CE9516}"/>
-    <dgm:cxn modelId="{6EF0439C-0BF7-438F-8C83-40C820C10D14}" type="presOf" srcId="{BEF3C024-36C1-47C5-90B6-2ECD625E32DA}" destId="{A86139CA-0AA2-4903-805A-0A56FF14046A}" srcOrd="1" destOrd="0" presId="urn:microsoft.com/office/officeart/2005/8/layout/hierarchy2"/>
-    <dgm:cxn modelId="{4BA68186-564D-4666-9E89-40EAB5980B14}" srcId="{0A734546-AF7F-4446-B82D-4087870A6A66}" destId="{AF3DD6F2-AE87-4468-AE17-653E9A60C59D}" srcOrd="1" destOrd="0" parTransId="{4662907C-813A-494B-9FCD-48FD3A6B579F}" sibTransId="{10CAB7A5-A4A0-4F40-9AE3-45A59591B0CF}"/>
+    <dgm:cxn modelId="{7C74F9C5-D669-4C5E-BDEA-F54C4E7D5D86}" type="presOf" srcId="{4AA43F63-1A33-4EC7-A2C9-5D6C41451942}" destId="{78337542-9682-46FF-ACBD-C11BA0828D85}" srcOrd="0" destOrd="0" presId="urn:microsoft.com/office/officeart/2005/8/layout/hierarchy2"/>
     <dgm:cxn modelId="{7560B5E6-7524-4C15-8423-16493A74D828}" type="presOf" srcId="{185955EE-4DA0-40BF-8E1D-D381DA24F09A}" destId="{4D5A20FB-6DF0-48A6-8E09-8908C1E79FED}" srcOrd="0" destOrd="0" presId="urn:microsoft.com/office/officeart/2005/8/layout/hierarchy2"/>
-    <dgm:cxn modelId="{965CB688-BDAD-48FB-A849-0A91B468064B}" type="presOf" srcId="{5FA788F3-91C4-4417-BF5C-AED6005DA936}" destId="{E208EE20-BC95-4143-A3AE-87D7C3F22375}" srcOrd="1" destOrd="0" presId="urn:microsoft.com/office/officeart/2005/8/layout/hierarchy2"/>
-    <dgm:cxn modelId="{7038BBE2-E4DD-4737-A426-434D7F467E74}" type="presOf" srcId="{4AA43F63-1A33-4EC7-A2C9-5D6C41451942}" destId="{3B392342-549D-4822-ACD3-BBD4ECE477D3}" srcOrd="1" destOrd="0" presId="urn:microsoft.com/office/officeart/2005/8/layout/hierarchy2"/>
-    <dgm:cxn modelId="{E16144CA-DC55-4E51-87B8-7ABCAC7BC03E}" type="presOf" srcId="{9CAE86D6-679B-4B58-8F41-87E89581B61D}" destId="{4F26413A-EF16-4C01-826A-3DCCEB7ADFF2}" srcOrd="1" destOrd="0" presId="urn:microsoft.com/office/officeart/2005/8/layout/hierarchy2"/>
-    <dgm:cxn modelId="{1BC8C139-CB6F-422F-9C25-4CD734670B47}" type="presOf" srcId="{24C0D800-F7AD-4019-A882-2813C43C7472}" destId="{23576F79-7C09-4C2C-94B6-27D381C786DA}" srcOrd="0" destOrd="0" presId="urn:microsoft.com/office/officeart/2005/8/layout/hierarchy2"/>
-    <dgm:cxn modelId="{8AD9CF95-A3B2-479E-9358-FE14EEA24206}" srcId="{AF3DD6F2-AE87-4468-AE17-653E9A60C59D}" destId="{C04A3775-A489-41A5-8A95-BCFABFE4667C}" srcOrd="0" destOrd="0" parTransId="{2AFB87BE-684E-46D6-B150-3CE54E8B096A}" sibTransId="{AEF7FEF9-E784-4B15-A089-EF96440AD3C5}"/>
-    <dgm:cxn modelId="{5B8C9BFF-7F1C-4674-BD18-A3C6DDB8251F}" type="presOf" srcId="{185955EE-4DA0-40BF-8E1D-D381DA24F09A}" destId="{E2B19AF9-9ACA-4D38-A11D-64713762824E}" srcOrd="1" destOrd="0" presId="urn:microsoft.com/office/officeart/2005/8/layout/hierarchy2"/>
-    <dgm:cxn modelId="{B0ED25D4-6820-4D3E-AAB8-DA8DF416BE74}" srcId="{258F1096-B196-4CA3-93DC-68D5903F3E5C}" destId="{0A734546-AF7F-4446-B82D-4087870A6A66}" srcOrd="0" destOrd="0" parTransId="{4AA43F63-1A33-4EC7-A2C9-5D6C41451942}" sibTransId="{CC764CF6-E005-4BA3-BF94-0B5D40BF6160}"/>
-    <dgm:cxn modelId="{7C74F9C5-D669-4C5E-BDEA-F54C4E7D5D86}" type="presOf" srcId="{4AA43F63-1A33-4EC7-A2C9-5D6C41451942}" destId="{78337542-9682-46FF-ACBD-C11BA0828D85}" srcOrd="0" destOrd="0" presId="urn:microsoft.com/office/officeart/2005/8/layout/hierarchy2"/>
-    <dgm:cxn modelId="{D4DEDC71-55C3-473B-ACAD-0666A7AB6FA7}" srcId="{DC60E786-BB11-45F6-A558-A7E8F8BEC45D}" destId="{04155621-E000-4877-AC0E-5D8CB2DB7B88}" srcOrd="0" destOrd="0" parTransId="{642F021D-C816-4F45-85F8-E9A37B0AC9AB}" sibTransId="{85309C85-FF30-43D4-9B50-9F247130E2AC}"/>
-    <dgm:cxn modelId="{B579938F-2E8F-47FB-B0D0-CA3BC75B093B}" type="presOf" srcId="{5FA788F3-91C4-4417-BF5C-AED6005DA936}" destId="{FF1F7787-BE64-48E5-A15C-7385E6B0F54D}" srcOrd="0" destOrd="0" presId="urn:microsoft.com/office/officeart/2005/8/layout/hierarchy2"/>
-    <dgm:cxn modelId="{98992049-70B6-4658-AEC8-3764FE2F5EC0}" srcId="{04155621-E000-4877-AC0E-5D8CB2DB7B88}" destId="{258F1096-B196-4CA3-93DC-68D5903F3E5C}" srcOrd="0" destOrd="0" parTransId="{5FA788F3-91C4-4417-BF5C-AED6005DA936}" sibTransId="{8CDC45DC-F995-43AE-A255-A8256406097B}"/>
-    <dgm:cxn modelId="{0C5F29D1-BC92-4FB2-A333-DAF823DA875F}" type="presOf" srcId="{BEF3C024-36C1-47C5-90B6-2ECD625E32DA}" destId="{248A3E42-EFE5-4744-98E7-E2CF9A810E46}" srcOrd="0" destOrd="0" presId="urn:microsoft.com/office/officeart/2005/8/layout/hierarchy2"/>
-    <dgm:cxn modelId="{750470DA-41D3-485F-9502-41BDC90296F2}" type="presOf" srcId="{4662907C-813A-494B-9FCD-48FD3A6B579F}" destId="{3A25EB47-C416-4129-BCB0-E088F920E71F}" srcOrd="1" destOrd="0" presId="urn:microsoft.com/office/officeart/2005/8/layout/hierarchy2"/>
-    <dgm:cxn modelId="{B7C2D2BA-FA86-4A5C-B681-5C18A92FD03A}" type="presOf" srcId="{4662907C-813A-494B-9FCD-48FD3A6B579F}" destId="{74BABABE-DD93-4D3A-A624-2DF6873AE8E4}" srcOrd="0" destOrd="0" presId="urn:microsoft.com/office/officeart/2005/8/layout/hierarchy2"/>
-    <dgm:cxn modelId="{155D41A7-D2B6-471A-AAA0-C67234A20A88}" type="presOf" srcId="{DC60E786-BB11-45F6-A558-A7E8F8BEC45D}" destId="{78F4B750-23EF-442B-BA79-E6382BC15D91}" srcOrd="0" destOrd="0" presId="urn:microsoft.com/office/officeart/2005/8/layout/hierarchy2"/>
-    <dgm:cxn modelId="{8F764EE9-207F-4125-999E-971134AEF540}" type="presOf" srcId="{2AFB87BE-684E-46D6-B150-3CE54E8B096A}" destId="{03C3B212-4409-4464-BAED-578A9108CAAD}" srcOrd="0" destOrd="0" presId="urn:microsoft.com/office/officeart/2005/8/layout/hierarchy2"/>
     <dgm:cxn modelId="{403C9479-CB91-490E-A52A-93220AFB47A6}" type="presParOf" srcId="{78F4B750-23EF-442B-BA79-E6382BC15D91}" destId="{4362FF4B-D5C1-4ACA-A155-EEA399B9828F}" srcOrd="0" destOrd="0" presId="urn:microsoft.com/office/officeart/2005/8/layout/hierarchy2"/>
     <dgm:cxn modelId="{716A42C9-A4AA-45B7-BD77-0CC29E2A61D1}" type="presParOf" srcId="{4362FF4B-D5C1-4ACA-A155-EEA399B9828F}" destId="{9860CB25-8B7C-45EE-A63A-104713164D54}" srcOrd="0" destOrd="0" presId="urn:microsoft.com/office/officeart/2005/8/layout/hierarchy2"/>
     <dgm:cxn modelId="{4CF218B4-9471-4A54-A1ED-32790BBA0061}" type="presParOf" srcId="{4362FF4B-D5C1-4ACA-A155-EEA399B9828F}" destId="{00E1A5C3-F45E-46FD-A7D8-CCB0529B38FB}" srcOrd="1" destOrd="0" presId="urn:microsoft.com/office/officeart/2005/8/layout/hierarchy2"/>
@@ -1480,11 +1513,6 @@
     <dgm:cxn modelId="{A254252C-FB5C-4102-8865-7E7C646997C6}" type="presParOf" srcId="{A1936B73-7D99-443D-97BA-E67EFD5FDA93}" destId="{7DCF3146-3162-4D67-8D2F-5784BBE955B4}" srcOrd="3" destOrd="0" presId="urn:microsoft.com/office/officeart/2005/8/layout/hierarchy2"/>
     <dgm:cxn modelId="{CEAFF544-FC2C-4425-857E-6C79841BB49A}" type="presParOf" srcId="{7DCF3146-3162-4D67-8D2F-5784BBE955B4}" destId="{C3B2452E-DCF6-4F33-8F5A-9CDC89492272}" srcOrd="0" destOrd="0" presId="urn:microsoft.com/office/officeart/2005/8/layout/hierarchy2"/>
     <dgm:cxn modelId="{84F51259-72AE-441F-83B4-37B4541A3FD2}" type="presParOf" srcId="{7DCF3146-3162-4D67-8D2F-5784BBE955B4}" destId="{FE110A5D-5DC5-4834-A087-AE423606D613}" srcOrd="1" destOrd="0" presId="urn:microsoft.com/office/officeart/2005/8/layout/hierarchy2"/>
-    <dgm:cxn modelId="{01FB5566-7641-4EDD-9309-805DF23F70D9}" type="presParOf" srcId="{FE110A5D-5DC5-4834-A087-AE423606D613}" destId="{03C3B212-4409-4464-BAED-578A9108CAAD}" srcOrd="0" destOrd="0" presId="urn:microsoft.com/office/officeart/2005/8/layout/hierarchy2"/>
-    <dgm:cxn modelId="{967B0BEC-431F-497C-87F1-1523663F580C}" type="presParOf" srcId="{03C3B212-4409-4464-BAED-578A9108CAAD}" destId="{E6CF8BC8-14CE-451A-884D-E456F3BEA9B1}" srcOrd="0" destOrd="0" presId="urn:microsoft.com/office/officeart/2005/8/layout/hierarchy2"/>
-    <dgm:cxn modelId="{3500B506-FC3D-4823-9825-4B5A79353518}" type="presParOf" srcId="{FE110A5D-5DC5-4834-A087-AE423606D613}" destId="{FBC1D1BC-9DAA-4A3A-A2E2-76CD9C3A4C0B}" srcOrd="1" destOrd="0" presId="urn:microsoft.com/office/officeart/2005/8/layout/hierarchy2"/>
-    <dgm:cxn modelId="{E063C62A-A4F8-43A2-A8DB-69082D5CFA5C}" type="presParOf" srcId="{FBC1D1BC-9DAA-4A3A-A2E2-76CD9C3A4C0B}" destId="{DCFF7B1D-418F-4F90-A0E4-DDC5B65F1131}" srcOrd="0" destOrd="0" presId="urn:microsoft.com/office/officeart/2005/8/layout/hierarchy2"/>
-    <dgm:cxn modelId="{D43B2CB0-5441-4391-B609-1F3C44164DC5}" type="presParOf" srcId="{FBC1D1BC-9DAA-4A3A-A2E2-76CD9C3A4C0B}" destId="{B2598499-AC69-47E9-899E-9813B4EEF925}" srcOrd="1" destOrd="0" presId="urn:microsoft.com/office/officeart/2005/8/layout/hierarchy2"/>
   </dgm:cxnLst>
   <dgm:bg/>
   <dgm:whole/>
@@ -2527,171 +2555,13 @@
           </a:pPr>
           <a:r>
             <a:rPr lang="ru-RU" sz="1400" kern="1200" dirty="0" smtClean="0"/>
-            <a:t>Регулярность</a:t>
+            <a:t>Тип регулярности</a:t>
           </a:r>
           <a:endParaRPr lang="ru-RU" sz="1400" kern="1200" dirty="0"/>
         </a:p>
       </dsp:txBody>
       <dsp:txXfrm>
         <a:off x="5700381" y="2082651"/>
-        <a:ext cx="1312321" cy="636362"/>
-      </dsp:txXfrm>
-    </dsp:sp>
-    <dsp:sp modelId="{03C3B212-4409-4464-BAED-578A9108CAAD}">
-      <dsp:nvSpPr>
-        <dsp:cNvPr id="0" name=""/>
-        <dsp:cNvSpPr/>
-      </dsp:nvSpPr>
-      <dsp:spPr>
-        <a:xfrm>
-          <a:off x="7032501" y="2385715"/>
-          <a:ext cx="540767" cy="30234"/>
-        </a:xfrm>
-        <a:custGeom>
-          <a:avLst/>
-          <a:gdLst/>
-          <a:ahLst/>
-          <a:cxnLst/>
-          <a:rect l="0" t="0" r="0" b="0"/>
-          <a:pathLst>
-            <a:path>
-              <a:moveTo>
-                <a:pt x="0" y="15117"/>
-              </a:moveTo>
-              <a:lnTo>
-                <a:pt x="540767" y="15117"/>
-              </a:lnTo>
-            </a:path>
-          </a:pathLst>
-        </a:custGeom>
-        <a:noFill/>
-        <a:ln w="12700" cap="flat" cmpd="sng" algn="ctr">
-          <a:solidFill>
-            <a:schemeClr val="accent1">
-              <a:shade val="80000"/>
-              <a:hueOff val="0"/>
-              <a:satOff val="0"/>
-              <a:lumOff val="0"/>
-              <a:alphaOff val="0"/>
-            </a:schemeClr>
-          </a:solidFill>
-          <a:prstDash val="solid"/>
-        </a:ln>
-        <a:effectLst/>
-      </dsp:spPr>
-      <dsp:style>
-        <a:lnRef idx="2">
-          <a:scrgbClr r="0" g="0" b="0"/>
-        </a:lnRef>
-        <a:fillRef idx="0">
-          <a:scrgbClr r="0" g="0" b="0"/>
-        </a:fillRef>
-        <a:effectRef idx="0">
-          <a:scrgbClr r="0" g="0" b="0"/>
-        </a:effectRef>
-        <a:fontRef idx="minor"/>
-      </dsp:style>
-      <dsp:txBody>
-        <a:bodyPr spcFirstLastPara="0" vert="horz" wrap="square" lIns="12700" tIns="0" rIns="12700" bIns="0" numCol="1" spcCol="1270" anchor="ctr" anchorCtr="0">
-          <a:noAutofit/>
-        </a:bodyPr>
-        <a:lstStyle/>
-        <a:p>
-          <a:pPr lvl="0" algn="ctr" defTabSz="222250">
-            <a:lnSpc>
-              <a:spcPct val="90000"/>
-            </a:lnSpc>
-            <a:spcBef>
-              <a:spcPct val="0"/>
-            </a:spcBef>
-            <a:spcAft>
-              <a:spcPct val="35000"/>
-            </a:spcAft>
-          </a:pPr>
-          <a:endParaRPr lang="ru-RU" sz="500" kern="1200"/>
-        </a:p>
-      </dsp:txBody>
-      <dsp:txXfrm>
-        <a:off x="7289365" y="2387313"/>
-        <a:ext cx="27038" cy="27038"/>
-      </dsp:txXfrm>
-    </dsp:sp>
-    <dsp:sp modelId="{DCFF7B1D-418F-4F90-A0E4-DDC5B65F1131}">
-      <dsp:nvSpPr>
-        <dsp:cNvPr id="0" name=""/>
-        <dsp:cNvSpPr/>
-      </dsp:nvSpPr>
-      <dsp:spPr>
-        <a:xfrm>
-          <a:off x="7573268" y="2062853"/>
-          <a:ext cx="1351917" cy="675958"/>
-        </a:xfrm>
-        <a:prstGeom prst="roundRect">
-          <a:avLst>
-            <a:gd name="adj" fmla="val 10000"/>
-          </a:avLst>
-        </a:prstGeom>
-        <a:solidFill>
-          <a:schemeClr val="accent1">
-            <a:hueOff val="0"/>
-            <a:satOff val="0"/>
-            <a:lumOff val="0"/>
-            <a:alphaOff val="0"/>
-          </a:schemeClr>
-        </a:solidFill>
-        <a:ln w="12700" cap="flat" cmpd="sng" algn="ctr">
-          <a:solidFill>
-            <a:schemeClr val="lt1">
-              <a:hueOff val="0"/>
-              <a:satOff val="0"/>
-              <a:lumOff val="0"/>
-              <a:alphaOff val="0"/>
-            </a:schemeClr>
-          </a:solidFill>
-          <a:prstDash val="solid"/>
-        </a:ln>
-        <a:effectLst/>
-      </dsp:spPr>
-      <dsp:style>
-        <a:lnRef idx="2">
-          <a:scrgbClr r="0" g="0" b="0"/>
-        </a:lnRef>
-        <a:fillRef idx="1">
-          <a:scrgbClr r="0" g="0" b="0"/>
-        </a:fillRef>
-        <a:effectRef idx="0">
-          <a:scrgbClr r="0" g="0" b="0"/>
-        </a:effectRef>
-        <a:fontRef idx="minor">
-          <a:schemeClr val="lt1"/>
-        </a:fontRef>
-      </dsp:style>
-      <dsp:txBody>
-        <a:bodyPr spcFirstLastPara="0" vert="horz" wrap="square" lIns="8890" tIns="8890" rIns="8890" bIns="8890" numCol="1" spcCol="1270" anchor="ctr" anchorCtr="0">
-          <a:noAutofit/>
-        </a:bodyPr>
-        <a:lstStyle/>
-        <a:p>
-          <a:pPr lvl="0" algn="ctr" defTabSz="622300">
-            <a:lnSpc>
-              <a:spcPct val="90000"/>
-            </a:lnSpc>
-            <a:spcBef>
-              <a:spcPct val="0"/>
-            </a:spcBef>
-            <a:spcAft>
-              <a:spcPct val="35000"/>
-            </a:spcAft>
-          </a:pPr>
-          <a:r>
-            <a:rPr lang="ru-RU" sz="1400" kern="1200" dirty="0" smtClean="0"/>
-            <a:t>Тип регулярности</a:t>
-          </a:r>
-          <a:endParaRPr lang="ru-RU" sz="1400" kern="1200" dirty="0"/>
-        </a:p>
-      </dsp:txBody>
-      <dsp:txXfrm>
-        <a:off x="7593066" y="2082651"/>
         <a:ext cx="1312321" cy="636362"/>
       </dsp:txXfrm>
     </dsp:sp>
@@ -4223,7 +4093,7 @@
           <a:p>
             <a:fld id="{48A87A34-81AB-432B-8DAE-1953F412C126}" type="datetimeFigureOut">
               <a:rPr lang="en-US" dirty="0"/>
-              <a:t>11/11/2021</a:t>
+              <a:t>11/18/2021</a:t>
             </a:fld>
             <a:endParaRPr lang="en-US" dirty="0"/>
           </a:p>
@@ -4485,7 +4355,7 @@
           <a:p>
             <a:fld id="{48A87A34-81AB-432B-8DAE-1953F412C126}" type="datetimeFigureOut">
               <a:rPr lang="en-US" dirty="0"/>
-              <a:t>11/11/2021</a:t>
+              <a:t>11/18/2021</a:t>
             </a:fld>
             <a:endParaRPr lang="en-US" dirty="0"/>
           </a:p>
@@ -4712,7 +4582,7 @@
             <a:fld id="{48A87A34-81AB-432B-8DAE-1953F412C126}" type="datetimeFigureOut">
               <a:rPr lang="en-US" dirty="0"/>
               <a:pPr/>
-              <a:t>11/11/2021</a:t>
+              <a:t>11/18/2021</a:t>
             </a:fld>
             <a:endParaRPr lang="en-US" dirty="0"/>
           </a:p>
@@ -5018,7 +4888,7 @@
             <a:fld id="{48A87A34-81AB-432B-8DAE-1953F412C126}" type="datetimeFigureOut">
               <a:rPr lang="en-US" dirty="0"/>
               <a:pPr/>
-              <a:t>11/11/2021</a:t>
+              <a:t>11/18/2021</a:t>
             </a:fld>
             <a:endParaRPr lang="en-US" dirty="0"/>
           </a:p>
@@ -5487,7 +5357,7 @@
             <a:fld id="{48A87A34-81AB-432B-8DAE-1953F412C126}" type="datetimeFigureOut">
               <a:rPr lang="en-US" dirty="0"/>
               <a:pPr/>
-              <a:t>11/11/2021</a:t>
+              <a:t>11/18/2021</a:t>
             </a:fld>
             <a:endParaRPr lang="en-US" dirty="0"/>
           </a:p>
@@ -6029,7 +5899,7 @@
           <a:p>
             <a:fld id="{48A87A34-81AB-432B-8DAE-1953F412C126}" type="datetimeFigureOut">
               <a:rPr lang="en-US" dirty="0"/>
-              <a:t>11/11/2021</a:t>
+              <a:t>11/18/2021</a:t>
             </a:fld>
             <a:endParaRPr lang="en-US" dirty="0"/>
           </a:p>
@@ -6798,7 +6668,7 @@
           <a:p>
             <a:fld id="{48A87A34-81AB-432B-8DAE-1953F412C126}" type="datetimeFigureOut">
               <a:rPr lang="en-US" dirty="0"/>
-              <a:t>11/11/2021</a:t>
+              <a:t>11/18/2021</a:t>
             </a:fld>
             <a:endParaRPr lang="en-US" dirty="0"/>
           </a:p>
@@ -6968,7 +6838,7 @@
           <a:p>
             <a:fld id="{48A87A34-81AB-432B-8DAE-1953F412C126}" type="datetimeFigureOut">
               <a:rPr lang="en-US" dirty="0"/>
-              <a:t>11/11/2021</a:t>
+              <a:t>11/18/2021</a:t>
             </a:fld>
             <a:endParaRPr lang="en-US" dirty="0"/>
           </a:p>
@@ -7187,7 +7057,7 @@
             <a:fld id="{48A87A34-81AB-432B-8DAE-1953F412C126}" type="datetimeFigureOut">
               <a:rPr lang="en-US" dirty="0"/>
               <a:pPr/>
-              <a:t>11/11/2021</a:t>
+              <a:t>11/18/2021</a:t>
             </a:fld>
             <a:endParaRPr lang="en-US" dirty="0"/>
           </a:p>
@@ -7362,7 +7232,7 @@
           <a:p>
             <a:fld id="{48A87A34-81AB-432B-8DAE-1953F412C126}" type="datetimeFigureOut">
               <a:rPr lang="en-US" dirty="0"/>
-              <a:t>11/11/2021</a:t>
+              <a:t>11/18/2021</a:t>
             </a:fld>
             <a:endParaRPr lang="en-US" dirty="0"/>
           </a:p>
@@ -7647,7 +7517,7 @@
             <a:fld id="{48A87A34-81AB-432B-8DAE-1953F412C126}" type="datetimeFigureOut">
               <a:rPr lang="en-US" dirty="0"/>
               <a:pPr/>
-              <a:t>11/11/2021</a:t>
+              <a:t>11/18/2021</a:t>
             </a:fld>
             <a:endParaRPr lang="en-US" dirty="0"/>
           </a:p>
@@ -7884,7 +7754,7 @@
           <a:p>
             <a:fld id="{48A87A34-81AB-432B-8DAE-1953F412C126}" type="datetimeFigureOut">
               <a:rPr lang="en-US" dirty="0"/>
-              <a:t>11/11/2021</a:t>
+              <a:t>11/18/2021</a:t>
             </a:fld>
             <a:endParaRPr lang="en-US" dirty="0"/>
           </a:p>
@@ -8258,7 +8128,7 @@
           <a:p>
             <a:fld id="{48A87A34-81AB-432B-8DAE-1953F412C126}" type="datetimeFigureOut">
               <a:rPr lang="en-US" dirty="0"/>
-              <a:t>11/11/2021</a:t>
+              <a:t>11/18/2021</a:t>
             </a:fld>
             <a:endParaRPr lang="en-US" dirty="0"/>
           </a:p>
@@ -8371,7 +8241,7 @@
           <a:p>
             <a:fld id="{48A87A34-81AB-432B-8DAE-1953F412C126}" type="datetimeFigureOut">
               <a:rPr lang="en-US" dirty="0"/>
-              <a:t>11/11/2021</a:t>
+              <a:t>11/18/2021</a:t>
             </a:fld>
             <a:endParaRPr lang="en-US" dirty="0"/>
           </a:p>
@@ -8461,7 +8331,7 @@
           <a:p>
             <a:fld id="{48A87A34-81AB-432B-8DAE-1953F412C126}" type="datetimeFigureOut">
               <a:rPr lang="en-US" dirty="0"/>
-              <a:t>11/11/2021</a:t>
+              <a:t>11/18/2021</a:t>
             </a:fld>
             <a:endParaRPr lang="en-US" dirty="0"/>
           </a:p>
@@ -8705,7 +8575,7 @@
           <a:p>
             <a:fld id="{48A87A34-81AB-432B-8DAE-1953F412C126}" type="datetimeFigureOut">
               <a:rPr lang="en-US" dirty="0"/>
-              <a:t>11/11/2021</a:t>
+              <a:t>11/18/2021</a:t>
             </a:fld>
             <a:endParaRPr lang="en-US" dirty="0"/>
           </a:p>
@@ -8957,7 +8827,7 @@
           <a:p>
             <a:fld id="{48A87A34-81AB-432B-8DAE-1953F412C126}" type="datetimeFigureOut">
               <a:rPr lang="en-US" dirty="0"/>
-              <a:t>11/11/2021</a:t>
+              <a:t>11/18/2021</a:t>
             </a:fld>
             <a:endParaRPr lang="en-US" dirty="0"/>
           </a:p>
@@ -9196,7 +9066,7 @@
             <a:fld id="{48A87A34-81AB-432B-8DAE-1953F412C126}" type="datetimeFigureOut">
               <a:rPr lang="en-US" dirty="0"/>
               <a:pPr/>
-              <a:t>11/11/2021</a:t>
+              <a:t>11/18/2021</a:t>
             </a:fld>
             <a:endParaRPr lang="en-US" dirty="0"/>
           </a:p>
@@ -9923,7 +9793,7 @@
             <p:ph idx="1"/>
             <p:extLst>
               <p:ext uri="{D42A27DB-BD31-4B8C-83A1-F6EECF244321}">
-                <p14:modId xmlns:p14="http://schemas.microsoft.com/office/powerpoint/2010/main" val="4237611863"/>
+                <p14:modId xmlns:p14="http://schemas.microsoft.com/office/powerpoint/2010/main" val="280742354"/>
               </p:ext>
             </p:extLst>
           </p:nvPr>
@@ -10022,22 +9892,14 @@
             </a:r>
             <a:r>
               <a:rPr lang="ru-RU" dirty="0" smtClean="0"/>
-              <a:t>версию и версию для мобильных устройств</a:t>
-            </a:r>
+              <a:t>версию и версию для мобильных устройств.</a:t>
+            </a:r>
+            <a:endParaRPr lang="en-US" dirty="0" smtClean="0"/>
+          </a:p>
+          <a:p>
             <a:r>
               <a:rPr lang="ru-RU" dirty="0" smtClean="0"/>
-              <a:t>.</a:t>
-            </a:r>
-            <a:endParaRPr lang="en-US" dirty="0" smtClean="0"/>
-          </a:p>
-          <a:p>
-            <a:r>
-              <a:rPr lang="ru-RU" dirty="0" smtClean="0"/>
-              <a:t>Сделать поддержку событий которые происходят несколько дней, которые можн</a:t>
-            </a:r>
-            <a:r>
-              <a:rPr lang="ru-RU" dirty="0" smtClean="0"/>
-              <a:t>о выбрать</a:t>
+              <a:t>Сделать поддержку событий которые происходят несколько дней, которые можно выбрать</a:t>
             </a:r>
             <a:endParaRPr lang="ru-RU" dirty="0"/>
           </a:p>

--- a/Presentation.pptx
+++ b/Presentation.pptx
@@ -9689,8 +9689,42 @@
           <a:lstStyle/>
           <a:p>
             <a:r>
+              <a:rPr lang="en-US" dirty="0"/>
+              <a:t>Calendar – </a:t>
+            </a:r>
+            <a:r>
+              <a:rPr lang="ru-RU" dirty="0"/>
+              <a:t>для получения месяца</a:t>
+            </a:r>
+          </a:p>
+          <a:p>
+            <a:r>
+              <a:rPr lang="en-US" dirty="0"/>
+              <a:t>Os – </a:t>
+            </a:r>
+            <a:r>
+              <a:rPr lang="ru-RU" dirty="0"/>
+              <a:t>для проверки существования файла базы данных</a:t>
+            </a:r>
+          </a:p>
+          <a:p>
+            <a:r>
+              <a:rPr lang="en-US" dirty="0"/>
+              <a:t>DateTime – </a:t>
+            </a:r>
+            <a:r>
+              <a:rPr lang="ru-RU" dirty="0"/>
+              <a:t>для получения даты и время пользователя</a:t>
+            </a:r>
+          </a:p>
+          <a:p>
+            <a:r>
               <a:rPr lang="en-US" dirty="0" smtClean="0"/>
-              <a:t>PyQt 5 – </a:t>
+              <a:t>PyQt </a:t>
+            </a:r>
+            <a:r>
+              <a:rPr lang="en-US" dirty="0" smtClean="0"/>
+              <a:t>5 – </a:t>
             </a:r>
             <a:r>
               <a:rPr lang="ru-RU" dirty="0" smtClean="0"/>
@@ -9711,21 +9745,48 @@
           <a:p>
             <a:r>
               <a:rPr lang="en-US" dirty="0" smtClean="0"/>
-              <a:t>DateTime – </a:t>
+              <a:t>Plyer </a:t>
+            </a:r>
+            <a:r>
+              <a:rPr lang="en-US" dirty="0" smtClean="0"/>
+              <a:t>– </a:t>
             </a:r>
             <a:r>
               <a:rPr lang="ru-RU" dirty="0" smtClean="0"/>
-              <a:t>для получения даты и время пользователя</a:t>
+              <a:t>для создания уведомлений о событии </a:t>
+            </a:r>
+            <a:r>
+              <a:rPr lang="ru-RU" dirty="0" smtClean="0"/>
+              <a:t>пользователю</a:t>
             </a:r>
           </a:p>
           <a:p>
             <a:r>
               <a:rPr lang="en-US" dirty="0" smtClean="0"/>
-              <a:t>Plyer – </a:t>
+              <a:t>OpenPyXl – </a:t>
             </a:r>
             <a:r>
               <a:rPr lang="ru-RU" dirty="0" smtClean="0"/>
-              <a:t>для создания уведомлений о событии пользователю</a:t>
+              <a:t>для записи месяца в формат </a:t>
+            </a:r>
+            <a:r>
+              <a:rPr lang="en-US" dirty="0" smtClean="0"/>
+              <a:t>excel </a:t>
+            </a:r>
+            <a:r>
+              <a:rPr lang="ru-RU" dirty="0" smtClean="0"/>
+              <a:t>для печати</a:t>
+            </a:r>
+            <a:endParaRPr lang="en-US" dirty="0" smtClean="0"/>
+          </a:p>
+          <a:p>
+            <a:r>
+              <a:rPr lang="en-US" dirty="0" smtClean="0"/>
+              <a:t>NumPy – </a:t>
+            </a:r>
+            <a:r>
+              <a:rPr lang="ru-RU" dirty="0" smtClean="0"/>
+              <a:t>для преобразования формата месяца в список, в котором индекс элемента показывает день недели (0 – понедельник)</a:t>
             </a:r>
           </a:p>
         </p:txBody>
